--- a/01_doc/00_design/画面イメージ.pptx
+++ b/01_doc/00_design/画面イメージ.pptx
@@ -6,6 +6,7 @@
   </p:sldMasterIdLst>
   <p:sldIdLst>
     <p:sldId id="256" r:id="rId2"/>
+    <p:sldId id="257" r:id="rId3"/>
   </p:sldIdLst>
   <p:sldSz cx="12192000" cy="6858000"/>
   <p:notesSz cx="6858000" cy="9144000"/>
@@ -104,6 +105,11 @@
       </a:defRPr>
     </a:lvl9pPr>
   </p:defaultTextStyle>
+  <p:extLst>
+    <p:ext uri="{EFAFB233-063F-42B5-8137-9DF3F51BA10A}">
+      <p15:sldGuideLst xmlns:p15="http://schemas.microsoft.com/office/powerpoint/2012/main"/>
+    </p:ext>
+  </p:extLst>
 </p:presentation>
 </file>
 
@@ -4956,6 +4962,102 @@
           </a:p>
         </p:txBody>
       </p:sp>
+      <p:sp>
+        <p:nvSpPr>
+          <p:cNvPr id="2" name="正方形/長方形 1"/>
+          <p:cNvSpPr/>
+          <p:nvPr/>
+        </p:nvSpPr>
+        <p:spPr>
+          <a:xfrm>
+            <a:off x="609600" y="1663700"/>
+            <a:ext cx="1282700" cy="4660900"/>
+          </a:xfrm>
+          <a:prstGeom prst="rect">
+            <a:avLst/>
+          </a:prstGeom>
+          <a:solidFill>
+            <a:schemeClr val="bg1">
+              <a:lumMod val="85000"/>
+            </a:schemeClr>
+          </a:solidFill>
+          <a:ln>
+            <a:noFill/>
+          </a:ln>
+        </p:spPr>
+        <p:style>
+          <a:lnRef idx="2">
+            <a:schemeClr val="accent1">
+              <a:shade val="50000"/>
+            </a:schemeClr>
+          </a:lnRef>
+          <a:fillRef idx="1">
+            <a:schemeClr val="accent1"/>
+          </a:fillRef>
+          <a:effectRef idx="0">
+            <a:schemeClr val="accent1"/>
+          </a:effectRef>
+          <a:fontRef idx="minor">
+            <a:schemeClr val="lt1"/>
+          </a:fontRef>
+        </p:style>
+        <p:txBody>
+          <a:bodyPr rtlCol="0" anchor="ctr"/>
+          <a:lstStyle/>
+          <a:p>
+            <a:pPr algn="ctr"/>
+            <a:endParaRPr kumimoji="1" lang="ja-JP" altLang="en-US"/>
+          </a:p>
+        </p:txBody>
+      </p:sp>
+      <p:sp>
+        <p:nvSpPr>
+          <p:cNvPr id="25" name="正方形/長方形 24"/>
+          <p:cNvSpPr/>
+          <p:nvPr/>
+        </p:nvSpPr>
+        <p:spPr>
+          <a:xfrm>
+            <a:off x="10363200" y="1663700"/>
+            <a:ext cx="1282700" cy="4660900"/>
+          </a:xfrm>
+          <a:prstGeom prst="rect">
+            <a:avLst/>
+          </a:prstGeom>
+          <a:solidFill>
+            <a:schemeClr val="bg1">
+              <a:lumMod val="85000"/>
+            </a:schemeClr>
+          </a:solidFill>
+          <a:ln>
+            <a:noFill/>
+          </a:ln>
+        </p:spPr>
+        <p:style>
+          <a:lnRef idx="2">
+            <a:schemeClr val="accent1">
+              <a:shade val="50000"/>
+            </a:schemeClr>
+          </a:lnRef>
+          <a:fillRef idx="1">
+            <a:schemeClr val="accent1"/>
+          </a:fillRef>
+          <a:effectRef idx="0">
+            <a:schemeClr val="accent1"/>
+          </a:effectRef>
+          <a:fontRef idx="minor">
+            <a:schemeClr val="lt1"/>
+          </a:fontRef>
+        </p:style>
+        <p:txBody>
+          <a:bodyPr rtlCol="0" anchor="ctr"/>
+          <a:lstStyle/>
+          <a:p>
+            <a:pPr algn="ctr"/>
+            <a:endParaRPr kumimoji="1" lang="ja-JP" altLang="en-US"/>
+          </a:p>
+        </p:txBody>
+      </p:sp>
     </p:spTree>
     <p:extLst>
       <p:ext uri="{BB962C8B-B14F-4D97-AF65-F5344CB8AC3E}">
@@ -4966,6 +5068,1420 @@
   <p:clrMapOvr>
     <a:masterClrMapping/>
   </p:clrMapOvr>
+  <p:timing>
+    <p:tnLst>
+      <p:par>
+        <p:cTn id="1" dur="indefinite" restart="never" nodeType="tmRoot"/>
+      </p:par>
+    </p:tnLst>
+  </p:timing>
+</p:sld>
+</file>
+
+<file path=ppt/slides/slide2.xml><?xml version="1.0" encoding="utf-8"?>
+<p:sld xmlns:a="http://schemas.openxmlformats.org/drawingml/2006/main" xmlns:r="http://schemas.openxmlformats.org/officeDocument/2006/relationships" xmlns:p="http://schemas.openxmlformats.org/presentationml/2006/main">
+  <p:cSld>
+    <p:spTree>
+      <p:nvGrpSpPr>
+        <p:cNvPr id="1" name=""/>
+        <p:cNvGrpSpPr/>
+        <p:nvPr/>
+      </p:nvGrpSpPr>
+      <p:grpSpPr>
+        <a:xfrm>
+          <a:off x="0" y="0"/>
+          <a:ext cx="0" cy="0"/>
+          <a:chOff x="0" y="0"/>
+          <a:chExt cx="0" cy="0"/>
+        </a:xfrm>
+      </p:grpSpPr>
+      <p:sp>
+        <p:nvSpPr>
+          <p:cNvPr id="4" name="正方形/長方形 3"/>
+          <p:cNvSpPr/>
+          <p:nvPr/>
+        </p:nvSpPr>
+        <p:spPr>
+          <a:xfrm>
+            <a:off x="609600" y="1143000"/>
+            <a:ext cx="11036300" cy="520700"/>
+          </a:xfrm>
+          <a:prstGeom prst="rect">
+            <a:avLst/>
+          </a:prstGeom>
+          <a:ln>
+            <a:noFill/>
+          </a:ln>
+        </p:spPr>
+        <p:style>
+          <a:lnRef idx="2">
+            <a:schemeClr val="accent1">
+              <a:shade val="50000"/>
+            </a:schemeClr>
+          </a:lnRef>
+          <a:fillRef idx="1">
+            <a:schemeClr val="accent1"/>
+          </a:fillRef>
+          <a:effectRef idx="0">
+            <a:schemeClr val="accent1"/>
+          </a:effectRef>
+          <a:fontRef idx="minor">
+            <a:schemeClr val="lt1"/>
+          </a:fontRef>
+        </p:style>
+        <p:txBody>
+          <a:bodyPr rtlCol="0" anchor="ctr"/>
+          <a:lstStyle/>
+          <a:p>
+            <a:r>
+              <a:rPr lang="ja-JP" altLang="en-US" sz="2000" b="1" dirty="0">
+                <a:latin typeface="メイリオ" panose="020B0604030504040204" pitchFamily="50" charset="-128"/>
+                <a:ea typeface="メイリオ" panose="020B0604030504040204" pitchFamily="50" charset="-128"/>
+              </a:rPr>
+              <a:t> </a:t>
+            </a:r>
+            <a:r>
+              <a:rPr kumimoji="1" lang="en-US" altLang="ja-JP" sz="2000" b="1" dirty="0" err="1" smtClean="0">
+                <a:latin typeface="メイリオ" panose="020B0604030504040204" pitchFamily="50" charset="-128"/>
+                <a:ea typeface="メイリオ" panose="020B0604030504040204" pitchFamily="50" charset="-128"/>
+              </a:rPr>
+              <a:t>SmaQ</a:t>
+            </a:r>
+            <a:endParaRPr kumimoji="1" lang="ja-JP" altLang="en-US" sz="2000" b="1" dirty="0">
+              <a:latin typeface="メイリオ" panose="020B0604030504040204" pitchFamily="50" charset="-128"/>
+              <a:ea typeface="メイリオ" panose="020B0604030504040204" pitchFamily="50" charset="-128"/>
+            </a:endParaRPr>
+          </a:p>
+        </p:txBody>
+      </p:sp>
+      <p:sp>
+        <p:nvSpPr>
+          <p:cNvPr id="5" name="正方形/長方形 4"/>
+          <p:cNvSpPr/>
+          <p:nvPr/>
+        </p:nvSpPr>
+        <p:spPr>
+          <a:xfrm>
+            <a:off x="609600" y="6324600"/>
+            <a:ext cx="11036300" cy="228600"/>
+          </a:xfrm>
+          <a:prstGeom prst="rect">
+            <a:avLst/>
+          </a:prstGeom>
+          <a:ln>
+            <a:noFill/>
+          </a:ln>
+        </p:spPr>
+        <p:style>
+          <a:lnRef idx="2">
+            <a:schemeClr val="accent1">
+              <a:shade val="50000"/>
+            </a:schemeClr>
+          </a:lnRef>
+          <a:fillRef idx="1">
+            <a:schemeClr val="accent1"/>
+          </a:fillRef>
+          <a:effectRef idx="0">
+            <a:schemeClr val="accent1"/>
+          </a:effectRef>
+          <a:fontRef idx="minor">
+            <a:schemeClr val="lt1"/>
+          </a:fontRef>
+        </p:style>
+        <p:txBody>
+          <a:bodyPr rtlCol="0" anchor="ctr"/>
+          <a:lstStyle/>
+          <a:p>
+            <a:pPr algn="ctr"/>
+            <a:r>
+              <a:rPr lang="en-US" altLang="ja-JP" sz="1400" dirty="0" smtClean="0">
+                <a:latin typeface="メイリオ" panose="020B0604030504040204" pitchFamily="50" charset="-128"/>
+                <a:ea typeface="メイリオ" panose="020B0604030504040204" pitchFamily="50" charset="-128"/>
+              </a:rPr>
+              <a:t>© </a:t>
+            </a:r>
+            <a:r>
+              <a:rPr lang="en-US" altLang="ja-JP" sz="1400" dirty="0" err="1" smtClean="0">
+                <a:latin typeface="メイリオ" panose="020B0604030504040204" pitchFamily="50" charset="-128"/>
+                <a:ea typeface="メイリオ" panose="020B0604030504040204" pitchFamily="50" charset="-128"/>
+              </a:rPr>
+              <a:t>Suteki</a:t>
+            </a:r>
+            <a:r>
+              <a:rPr lang="ja-JP" altLang="en-US" sz="1400" dirty="0" smtClean="0">
+                <a:latin typeface="メイリオ" panose="020B0604030504040204" pitchFamily="50" charset="-128"/>
+                <a:ea typeface="メイリオ" panose="020B0604030504040204" pitchFamily="50" charset="-128"/>
+              </a:rPr>
+              <a:t> </a:t>
+            </a:r>
+            <a:r>
+              <a:rPr lang="en-US" altLang="ja-JP" sz="1400" dirty="0" smtClean="0">
+                <a:latin typeface="メイリオ" panose="020B0604030504040204" pitchFamily="50" charset="-128"/>
+                <a:ea typeface="メイリオ" panose="020B0604030504040204" pitchFamily="50" charset="-128"/>
+              </a:rPr>
+              <a:t>Kobo</a:t>
+            </a:r>
+            <a:r>
+              <a:rPr lang="ja-JP" altLang="en-US" sz="1400" dirty="0" smtClean="0">
+                <a:latin typeface="メイリオ" panose="020B0604030504040204" pitchFamily="50" charset="-128"/>
+                <a:ea typeface="メイリオ" panose="020B0604030504040204" pitchFamily="50" charset="-128"/>
+              </a:rPr>
+              <a:t> </a:t>
+            </a:r>
+            <a:r>
+              <a:rPr lang="en-US" altLang="ja-JP" sz="1400" dirty="0" smtClean="0">
+                <a:latin typeface="メイリオ" panose="020B0604030504040204" pitchFamily="50" charset="-128"/>
+                <a:ea typeface="メイリオ" panose="020B0604030504040204" pitchFamily="50" charset="-128"/>
+              </a:rPr>
+              <a:t>Corp.</a:t>
+            </a:r>
+            <a:endParaRPr kumimoji="1" lang="ja-JP" altLang="en-US" sz="1400" dirty="0">
+              <a:latin typeface="メイリオ" panose="020B0604030504040204" pitchFamily="50" charset="-128"/>
+              <a:ea typeface="メイリオ" panose="020B0604030504040204" pitchFamily="50" charset="-128"/>
+            </a:endParaRPr>
+          </a:p>
+        </p:txBody>
+      </p:sp>
+      <p:sp>
+        <p:nvSpPr>
+          <p:cNvPr id="8" name="テキスト ボックス 7"/>
+          <p:cNvSpPr txBox="1"/>
+          <p:nvPr/>
+        </p:nvSpPr>
+        <p:spPr>
+          <a:xfrm>
+            <a:off x="640349" y="489288"/>
+            <a:ext cx="7035800" cy="461665"/>
+          </a:xfrm>
+          <a:prstGeom prst="rect">
+            <a:avLst/>
+          </a:prstGeom>
+          <a:noFill/>
+        </p:spPr>
+        <p:txBody>
+          <a:bodyPr wrap="square" rtlCol="0">
+            <a:spAutoFit/>
+          </a:bodyPr>
+          <a:lstStyle/>
+          <a:p>
+            <a:r>
+              <a:rPr kumimoji="1" lang="ja-JP" altLang="en-US" sz="2400" b="1" dirty="0" smtClean="0"/>
+              <a:t>画面イメージ（</a:t>
+            </a:r>
+            <a:r>
+              <a:rPr lang="ja-JP" altLang="en-US" sz="2400" b="1" dirty="0" smtClean="0"/>
+              <a:t>問題登録</a:t>
+            </a:r>
+            <a:r>
+              <a:rPr lang="ja-JP" altLang="en-US" sz="2400" b="1" dirty="0"/>
+              <a:t>画面</a:t>
+            </a:r>
+            <a:r>
+              <a:rPr kumimoji="1" lang="ja-JP" altLang="en-US" sz="2400" b="1" dirty="0" smtClean="0"/>
+              <a:t>）</a:t>
+            </a:r>
+            <a:endParaRPr kumimoji="1" lang="ja-JP" altLang="en-US" sz="2400" b="1" dirty="0"/>
+          </a:p>
+        </p:txBody>
+      </p:sp>
+      <p:sp>
+        <p:nvSpPr>
+          <p:cNvPr id="11" name="テキスト ボックス 10"/>
+          <p:cNvSpPr txBox="1"/>
+          <p:nvPr/>
+        </p:nvSpPr>
+        <p:spPr>
+          <a:xfrm>
+            <a:off x="7555833" y="1262808"/>
+            <a:ext cx="3877418" cy="307777"/>
+          </a:xfrm>
+          <a:prstGeom prst="rect">
+            <a:avLst/>
+          </a:prstGeom>
+          <a:noFill/>
+        </p:spPr>
+        <p:txBody>
+          <a:bodyPr wrap="square" rtlCol="0">
+            <a:spAutoFit/>
+          </a:bodyPr>
+          <a:lstStyle/>
+          <a:p>
+            <a:pPr algn="r"/>
+            <a:r>
+              <a:rPr kumimoji="1" lang="ja-JP" altLang="en-US" sz="1400" dirty="0" smtClean="0">
+                <a:solidFill>
+                  <a:schemeClr val="bg1"/>
+                </a:solidFill>
+                <a:latin typeface="メイリオ" panose="020B0604030504040204" pitchFamily="50" charset="-128"/>
+                <a:ea typeface="メイリオ" panose="020B0604030504040204" pitchFamily="50" charset="-128"/>
+              </a:rPr>
+              <a:t>小林 宏　</a:t>
+            </a:r>
+            <a:r>
+              <a:rPr kumimoji="1" lang="ja-JP" altLang="en-US" sz="1400" u="sng" dirty="0" smtClean="0">
+                <a:solidFill>
+                  <a:schemeClr val="bg1"/>
+                </a:solidFill>
+                <a:latin typeface="メイリオ" panose="020B0604030504040204" pitchFamily="50" charset="-128"/>
+                <a:ea typeface="メイリオ" panose="020B0604030504040204" pitchFamily="50" charset="-128"/>
+              </a:rPr>
+              <a:t>ログアウト</a:t>
+            </a:r>
+            <a:endParaRPr kumimoji="1" lang="ja-JP" altLang="en-US" dirty="0">
+              <a:solidFill>
+                <a:schemeClr val="bg1"/>
+              </a:solidFill>
+              <a:latin typeface="メイリオ" panose="020B0604030504040204" pitchFamily="50" charset="-128"/>
+              <a:ea typeface="メイリオ" panose="020B0604030504040204" pitchFamily="50" charset="-128"/>
+            </a:endParaRPr>
+          </a:p>
+        </p:txBody>
+      </p:sp>
+      <p:sp>
+        <p:nvSpPr>
+          <p:cNvPr id="2" name="正方形/長方形 1"/>
+          <p:cNvSpPr/>
+          <p:nvPr/>
+        </p:nvSpPr>
+        <p:spPr>
+          <a:xfrm>
+            <a:off x="609600" y="1663700"/>
+            <a:ext cx="1282700" cy="4660900"/>
+          </a:xfrm>
+          <a:prstGeom prst="rect">
+            <a:avLst/>
+          </a:prstGeom>
+          <a:solidFill>
+            <a:schemeClr val="bg1">
+              <a:lumMod val="85000"/>
+            </a:schemeClr>
+          </a:solidFill>
+          <a:ln>
+            <a:noFill/>
+          </a:ln>
+        </p:spPr>
+        <p:style>
+          <a:lnRef idx="2">
+            <a:schemeClr val="accent1">
+              <a:shade val="50000"/>
+            </a:schemeClr>
+          </a:lnRef>
+          <a:fillRef idx="1">
+            <a:schemeClr val="accent1"/>
+          </a:fillRef>
+          <a:effectRef idx="0">
+            <a:schemeClr val="accent1"/>
+          </a:effectRef>
+          <a:fontRef idx="minor">
+            <a:schemeClr val="lt1"/>
+          </a:fontRef>
+        </p:style>
+        <p:txBody>
+          <a:bodyPr rtlCol="0" anchor="ctr"/>
+          <a:lstStyle/>
+          <a:p>
+            <a:pPr algn="ctr"/>
+            <a:endParaRPr kumimoji="1" lang="ja-JP" altLang="en-US"/>
+          </a:p>
+        </p:txBody>
+      </p:sp>
+      <p:sp>
+        <p:nvSpPr>
+          <p:cNvPr id="25" name="正方形/長方形 24"/>
+          <p:cNvSpPr/>
+          <p:nvPr/>
+        </p:nvSpPr>
+        <p:spPr>
+          <a:xfrm>
+            <a:off x="10363200" y="1663700"/>
+            <a:ext cx="1282700" cy="4660900"/>
+          </a:xfrm>
+          <a:prstGeom prst="rect">
+            <a:avLst/>
+          </a:prstGeom>
+          <a:solidFill>
+            <a:schemeClr val="bg1">
+              <a:lumMod val="85000"/>
+            </a:schemeClr>
+          </a:solidFill>
+          <a:ln>
+            <a:noFill/>
+          </a:ln>
+        </p:spPr>
+        <p:style>
+          <a:lnRef idx="2">
+            <a:schemeClr val="accent1">
+              <a:shade val="50000"/>
+            </a:schemeClr>
+          </a:lnRef>
+          <a:fillRef idx="1">
+            <a:schemeClr val="accent1"/>
+          </a:fillRef>
+          <a:effectRef idx="0">
+            <a:schemeClr val="accent1"/>
+          </a:effectRef>
+          <a:fontRef idx="minor">
+            <a:schemeClr val="lt1"/>
+          </a:fontRef>
+        </p:style>
+        <p:txBody>
+          <a:bodyPr rtlCol="0" anchor="ctr"/>
+          <a:lstStyle/>
+          <a:p>
+            <a:pPr algn="ctr"/>
+            <a:endParaRPr kumimoji="1" lang="ja-JP" altLang="en-US"/>
+          </a:p>
+        </p:txBody>
+      </p:sp>
+      <p:sp>
+        <p:nvSpPr>
+          <p:cNvPr id="3" name="正方形/長方形 2"/>
+          <p:cNvSpPr/>
+          <p:nvPr/>
+        </p:nvSpPr>
+        <p:spPr>
+          <a:xfrm>
+            <a:off x="2311400" y="1943100"/>
+            <a:ext cx="7632700" cy="304800"/>
+          </a:xfrm>
+          <a:prstGeom prst="rect">
+            <a:avLst/>
+          </a:prstGeom>
+        </p:spPr>
+        <p:style>
+          <a:lnRef idx="2">
+            <a:schemeClr val="accent1">
+              <a:shade val="50000"/>
+            </a:schemeClr>
+          </a:lnRef>
+          <a:fillRef idx="1">
+            <a:schemeClr val="accent1"/>
+          </a:fillRef>
+          <a:effectRef idx="0">
+            <a:schemeClr val="accent1"/>
+          </a:effectRef>
+          <a:fontRef idx="minor">
+            <a:schemeClr val="lt1"/>
+          </a:fontRef>
+        </p:style>
+        <p:txBody>
+          <a:bodyPr rtlCol="0" anchor="ctr"/>
+          <a:lstStyle/>
+          <a:p>
+            <a:pPr algn="ctr"/>
+            <a:r>
+              <a:rPr kumimoji="1" lang="ja-JP" altLang="en-US" sz="1400" dirty="0" smtClean="0"/>
+              <a:t>質問①</a:t>
+            </a:r>
+            <a:endParaRPr kumimoji="1" lang="ja-JP" altLang="en-US" sz="1400" dirty="0"/>
+          </a:p>
+        </p:txBody>
+      </p:sp>
+      <p:sp>
+        <p:nvSpPr>
+          <p:cNvPr id="26" name="正方形/長方形 25"/>
+          <p:cNvSpPr/>
+          <p:nvPr/>
+        </p:nvSpPr>
+        <p:spPr>
+          <a:xfrm>
+            <a:off x="2311400" y="5435600"/>
+            <a:ext cx="7632700" cy="304800"/>
+          </a:xfrm>
+          <a:prstGeom prst="rect">
+            <a:avLst/>
+          </a:prstGeom>
+        </p:spPr>
+        <p:style>
+          <a:lnRef idx="2">
+            <a:schemeClr val="accent1">
+              <a:shade val="50000"/>
+            </a:schemeClr>
+          </a:lnRef>
+          <a:fillRef idx="1">
+            <a:schemeClr val="accent1"/>
+          </a:fillRef>
+          <a:effectRef idx="0">
+            <a:schemeClr val="accent1"/>
+          </a:effectRef>
+          <a:fontRef idx="minor">
+            <a:schemeClr val="lt1"/>
+          </a:fontRef>
+        </p:style>
+        <p:txBody>
+          <a:bodyPr rtlCol="0" anchor="ctr"/>
+          <a:lstStyle/>
+          <a:p>
+            <a:pPr algn="ctr"/>
+            <a:r>
+              <a:rPr kumimoji="1" lang="ja-JP" altLang="en-US" sz="1400" dirty="0" smtClean="0"/>
+              <a:t>質問②</a:t>
+            </a:r>
+            <a:endParaRPr kumimoji="1" lang="ja-JP" altLang="en-US" sz="1400" dirty="0"/>
+          </a:p>
+        </p:txBody>
+      </p:sp>
+      <p:sp>
+        <p:nvSpPr>
+          <p:cNvPr id="10" name="正方形/長方形 9"/>
+          <p:cNvSpPr/>
+          <p:nvPr/>
+        </p:nvSpPr>
+        <p:spPr>
+          <a:xfrm>
+            <a:off x="3441700" y="3390900"/>
+            <a:ext cx="1079500" cy="228600"/>
+          </a:xfrm>
+          <a:prstGeom prst="rect">
+            <a:avLst/>
+          </a:prstGeom>
+        </p:spPr>
+        <p:style>
+          <a:lnRef idx="2">
+            <a:schemeClr val="dk1"/>
+          </a:lnRef>
+          <a:fillRef idx="1">
+            <a:schemeClr val="lt1"/>
+          </a:fillRef>
+          <a:effectRef idx="0">
+            <a:schemeClr val="dk1"/>
+          </a:effectRef>
+          <a:fontRef idx="minor">
+            <a:schemeClr val="dk1"/>
+          </a:fontRef>
+        </p:style>
+        <p:txBody>
+          <a:bodyPr rtlCol="0" anchor="ctr"/>
+          <a:lstStyle/>
+          <a:p>
+            <a:r>
+              <a:rPr kumimoji="1" lang="ja-JP" altLang="en-US" sz="1200" dirty="0" smtClean="0"/>
+              <a:t>画像</a:t>
+            </a:r>
+            <a:endParaRPr kumimoji="1" lang="ja-JP" altLang="en-US" sz="1200" dirty="0"/>
+          </a:p>
+        </p:txBody>
+      </p:sp>
+      <p:sp>
+        <p:nvSpPr>
+          <p:cNvPr id="12" name="テキスト ボックス 11"/>
+          <p:cNvSpPr txBox="1"/>
+          <p:nvPr/>
+        </p:nvSpPr>
+        <p:spPr>
+          <a:xfrm>
+            <a:off x="2628900" y="3365500"/>
+            <a:ext cx="1270000" cy="276999"/>
+          </a:xfrm>
+          <a:prstGeom prst="rect">
+            <a:avLst/>
+          </a:prstGeom>
+          <a:noFill/>
+        </p:spPr>
+        <p:txBody>
+          <a:bodyPr wrap="square" rtlCol="0">
+            <a:spAutoFit/>
+          </a:bodyPr>
+          <a:lstStyle/>
+          <a:p>
+            <a:r>
+              <a:rPr kumimoji="1" lang="ja-JP" altLang="en-US" sz="1200" dirty="0" smtClean="0"/>
+              <a:t>問題種別</a:t>
+            </a:r>
+            <a:endParaRPr kumimoji="1" lang="ja-JP" altLang="en-US" sz="1200" dirty="0"/>
+          </a:p>
+        </p:txBody>
+      </p:sp>
+      <p:sp>
+        <p:nvSpPr>
+          <p:cNvPr id="29" name="正方形/長方形 28"/>
+          <p:cNvSpPr/>
+          <p:nvPr/>
+        </p:nvSpPr>
+        <p:spPr>
+          <a:xfrm>
+            <a:off x="3441700" y="4140200"/>
+            <a:ext cx="5689600" cy="188953"/>
+          </a:xfrm>
+          <a:prstGeom prst="rect">
+            <a:avLst/>
+          </a:prstGeom>
+        </p:spPr>
+        <p:style>
+          <a:lnRef idx="2">
+            <a:schemeClr val="dk1"/>
+          </a:lnRef>
+          <a:fillRef idx="1">
+            <a:schemeClr val="lt1"/>
+          </a:fillRef>
+          <a:effectRef idx="0">
+            <a:schemeClr val="dk1"/>
+          </a:effectRef>
+          <a:fontRef idx="minor">
+            <a:schemeClr val="dk1"/>
+          </a:fontRef>
+        </p:style>
+        <p:txBody>
+          <a:bodyPr rtlCol="0" anchor="ctr"/>
+          <a:lstStyle/>
+          <a:p>
+            <a:r>
+              <a:rPr kumimoji="1" lang="ja-JP" altLang="en-US" sz="1200" dirty="0" smtClean="0"/>
+              <a:t>あああああ</a:t>
+            </a:r>
+            <a:endParaRPr kumimoji="1" lang="ja-JP" altLang="en-US" sz="1200" dirty="0"/>
+          </a:p>
+        </p:txBody>
+      </p:sp>
+      <p:sp>
+        <p:nvSpPr>
+          <p:cNvPr id="30" name="テキスト ボックス 29"/>
+          <p:cNvSpPr txBox="1"/>
+          <p:nvPr/>
+        </p:nvSpPr>
+        <p:spPr>
+          <a:xfrm>
+            <a:off x="2628900" y="4114800"/>
+            <a:ext cx="1270000" cy="276999"/>
+          </a:xfrm>
+          <a:prstGeom prst="rect">
+            <a:avLst/>
+          </a:prstGeom>
+          <a:noFill/>
+        </p:spPr>
+        <p:txBody>
+          <a:bodyPr wrap="square" rtlCol="0">
+            <a:spAutoFit/>
+          </a:bodyPr>
+          <a:lstStyle/>
+          <a:p>
+            <a:r>
+              <a:rPr lang="ja-JP" altLang="en-US" sz="1200" dirty="0" smtClean="0"/>
+              <a:t>選択肢</a:t>
+            </a:r>
+            <a:r>
+              <a:rPr lang="en-US" altLang="ja-JP" sz="1200" dirty="0" smtClean="0"/>
+              <a:t>A</a:t>
+            </a:r>
+            <a:endParaRPr kumimoji="1" lang="ja-JP" altLang="en-US" sz="1200" dirty="0"/>
+          </a:p>
+        </p:txBody>
+      </p:sp>
+      <p:sp>
+        <p:nvSpPr>
+          <p:cNvPr id="37" name="正方形/長方形 36"/>
+          <p:cNvSpPr/>
+          <p:nvPr/>
+        </p:nvSpPr>
+        <p:spPr>
+          <a:xfrm>
+            <a:off x="3441700" y="4432300"/>
+            <a:ext cx="5689600" cy="188953"/>
+          </a:xfrm>
+          <a:prstGeom prst="rect">
+            <a:avLst/>
+          </a:prstGeom>
+        </p:spPr>
+        <p:style>
+          <a:lnRef idx="2">
+            <a:schemeClr val="dk1"/>
+          </a:lnRef>
+          <a:fillRef idx="1">
+            <a:schemeClr val="lt1"/>
+          </a:fillRef>
+          <a:effectRef idx="0">
+            <a:schemeClr val="dk1"/>
+          </a:effectRef>
+          <a:fontRef idx="minor">
+            <a:schemeClr val="dk1"/>
+          </a:fontRef>
+        </p:style>
+        <p:txBody>
+          <a:bodyPr rtlCol="0" anchor="ctr"/>
+          <a:lstStyle/>
+          <a:p>
+            <a:r>
+              <a:rPr kumimoji="1" lang="ja-JP" altLang="en-US" sz="1200" dirty="0" err="1" smtClean="0"/>
+              <a:t>いいいい</a:t>
+            </a:r>
+            <a:r>
+              <a:rPr kumimoji="1" lang="ja-JP" altLang="en-US" sz="1200" dirty="0" smtClean="0"/>
+              <a:t>いい</a:t>
+            </a:r>
+            <a:endParaRPr kumimoji="1" lang="ja-JP" altLang="en-US" sz="1200" dirty="0"/>
+          </a:p>
+        </p:txBody>
+      </p:sp>
+      <p:sp>
+        <p:nvSpPr>
+          <p:cNvPr id="38" name="テキスト ボックス 37"/>
+          <p:cNvSpPr txBox="1"/>
+          <p:nvPr/>
+        </p:nvSpPr>
+        <p:spPr>
+          <a:xfrm>
+            <a:off x="2628900" y="4406900"/>
+            <a:ext cx="1270000" cy="276999"/>
+          </a:xfrm>
+          <a:prstGeom prst="rect">
+            <a:avLst/>
+          </a:prstGeom>
+          <a:noFill/>
+        </p:spPr>
+        <p:txBody>
+          <a:bodyPr wrap="square" rtlCol="0">
+            <a:spAutoFit/>
+          </a:bodyPr>
+          <a:lstStyle/>
+          <a:p>
+            <a:r>
+              <a:rPr lang="ja-JP" altLang="en-US" sz="1200" dirty="0" smtClean="0"/>
+              <a:t>選択肢</a:t>
+            </a:r>
+            <a:r>
+              <a:rPr lang="en-US" altLang="ja-JP" sz="1200" dirty="0" smtClean="0"/>
+              <a:t>B</a:t>
+            </a:r>
+            <a:endParaRPr kumimoji="1" lang="ja-JP" altLang="en-US" sz="1200" dirty="0"/>
+          </a:p>
+        </p:txBody>
+      </p:sp>
+      <p:sp>
+        <p:nvSpPr>
+          <p:cNvPr id="39" name="正方形/長方形 38"/>
+          <p:cNvSpPr/>
+          <p:nvPr/>
+        </p:nvSpPr>
+        <p:spPr>
+          <a:xfrm>
+            <a:off x="3441700" y="4724400"/>
+            <a:ext cx="5689600" cy="188953"/>
+          </a:xfrm>
+          <a:prstGeom prst="rect">
+            <a:avLst/>
+          </a:prstGeom>
+        </p:spPr>
+        <p:style>
+          <a:lnRef idx="2">
+            <a:schemeClr val="dk1"/>
+          </a:lnRef>
+          <a:fillRef idx="1">
+            <a:schemeClr val="lt1"/>
+          </a:fillRef>
+          <a:effectRef idx="0">
+            <a:schemeClr val="dk1"/>
+          </a:effectRef>
+          <a:fontRef idx="minor">
+            <a:schemeClr val="dk1"/>
+          </a:fontRef>
+        </p:style>
+        <p:txBody>
+          <a:bodyPr rtlCol="0" anchor="ctr"/>
+          <a:lstStyle/>
+          <a:p>
+            <a:r>
+              <a:rPr kumimoji="1" lang="ja-JP" altLang="en-US" sz="1200" dirty="0" err="1" smtClean="0"/>
+              <a:t>うううううううう</a:t>
+            </a:r>
+            <a:endParaRPr kumimoji="1" lang="ja-JP" altLang="en-US" sz="1200" dirty="0"/>
+          </a:p>
+        </p:txBody>
+      </p:sp>
+      <p:sp>
+        <p:nvSpPr>
+          <p:cNvPr id="40" name="テキスト ボックス 39"/>
+          <p:cNvSpPr txBox="1"/>
+          <p:nvPr/>
+        </p:nvSpPr>
+        <p:spPr>
+          <a:xfrm>
+            <a:off x="2628900" y="4699000"/>
+            <a:ext cx="1270000" cy="276999"/>
+          </a:xfrm>
+          <a:prstGeom prst="rect">
+            <a:avLst/>
+          </a:prstGeom>
+          <a:noFill/>
+        </p:spPr>
+        <p:txBody>
+          <a:bodyPr wrap="square" rtlCol="0">
+            <a:spAutoFit/>
+          </a:bodyPr>
+          <a:lstStyle/>
+          <a:p>
+            <a:r>
+              <a:rPr lang="ja-JP" altLang="en-US" sz="1200" dirty="0" smtClean="0"/>
+              <a:t>選択肢</a:t>
+            </a:r>
+            <a:r>
+              <a:rPr lang="en-US" altLang="ja-JP" sz="1200" dirty="0" smtClean="0"/>
+              <a:t>C</a:t>
+            </a:r>
+            <a:endParaRPr kumimoji="1" lang="ja-JP" altLang="en-US" sz="1200" dirty="0"/>
+          </a:p>
+        </p:txBody>
+      </p:sp>
+      <p:sp>
+        <p:nvSpPr>
+          <p:cNvPr id="41" name="正方形/長方形 40"/>
+          <p:cNvSpPr/>
+          <p:nvPr/>
+        </p:nvSpPr>
+        <p:spPr>
+          <a:xfrm>
+            <a:off x="3441700" y="5016500"/>
+            <a:ext cx="5689600" cy="188953"/>
+          </a:xfrm>
+          <a:prstGeom prst="rect">
+            <a:avLst/>
+          </a:prstGeom>
+        </p:spPr>
+        <p:style>
+          <a:lnRef idx="2">
+            <a:schemeClr val="dk1"/>
+          </a:lnRef>
+          <a:fillRef idx="1">
+            <a:schemeClr val="lt1"/>
+          </a:fillRef>
+          <a:effectRef idx="0">
+            <a:schemeClr val="dk1"/>
+          </a:effectRef>
+          <a:fontRef idx="minor">
+            <a:schemeClr val="dk1"/>
+          </a:fontRef>
+        </p:style>
+        <p:txBody>
+          <a:bodyPr rtlCol="0" anchor="ctr"/>
+          <a:lstStyle/>
+          <a:p>
+            <a:r>
+              <a:rPr kumimoji="1" lang="ja-JP" altLang="en-US" sz="1200" dirty="0" smtClean="0"/>
+              <a:t>え</a:t>
+            </a:r>
+            <a:r>
+              <a:rPr kumimoji="1" lang="ja-JP" altLang="en-US" sz="1200" dirty="0" err="1" smtClean="0"/>
+              <a:t>ええ</a:t>
+            </a:r>
+            <a:r>
+              <a:rPr kumimoji="1" lang="ja-JP" altLang="en-US" sz="1200" dirty="0" smtClean="0"/>
+              <a:t>えええええええええ</a:t>
+            </a:r>
+            <a:endParaRPr kumimoji="1" lang="ja-JP" altLang="en-US" sz="1200" dirty="0"/>
+          </a:p>
+        </p:txBody>
+      </p:sp>
+      <p:sp>
+        <p:nvSpPr>
+          <p:cNvPr id="42" name="テキスト ボックス 41"/>
+          <p:cNvSpPr txBox="1"/>
+          <p:nvPr/>
+        </p:nvSpPr>
+        <p:spPr>
+          <a:xfrm>
+            <a:off x="2628900" y="4991100"/>
+            <a:ext cx="1270000" cy="276999"/>
+          </a:xfrm>
+          <a:prstGeom prst="rect">
+            <a:avLst/>
+          </a:prstGeom>
+          <a:noFill/>
+        </p:spPr>
+        <p:txBody>
+          <a:bodyPr wrap="square" rtlCol="0">
+            <a:spAutoFit/>
+          </a:bodyPr>
+          <a:lstStyle/>
+          <a:p>
+            <a:r>
+              <a:rPr lang="ja-JP" altLang="en-US" sz="1200" dirty="0" smtClean="0"/>
+              <a:t>選択肢</a:t>
+            </a:r>
+            <a:r>
+              <a:rPr lang="en-US" altLang="ja-JP" sz="1200" dirty="0" smtClean="0"/>
+              <a:t>D</a:t>
+            </a:r>
+            <a:endParaRPr kumimoji="1" lang="ja-JP" altLang="en-US" sz="1200" dirty="0"/>
+          </a:p>
+        </p:txBody>
+      </p:sp>
+      <p:sp>
+        <p:nvSpPr>
+          <p:cNvPr id="43" name="正方形/長方形 42"/>
+          <p:cNvSpPr/>
+          <p:nvPr/>
+        </p:nvSpPr>
+        <p:spPr>
+          <a:xfrm>
+            <a:off x="3441700" y="3721100"/>
+            <a:ext cx="5689600" cy="354746"/>
+          </a:xfrm>
+          <a:prstGeom prst="rect">
+            <a:avLst/>
+          </a:prstGeom>
+        </p:spPr>
+        <p:style>
+          <a:lnRef idx="2">
+            <a:schemeClr val="dk1"/>
+          </a:lnRef>
+          <a:fillRef idx="1">
+            <a:schemeClr val="lt1"/>
+          </a:fillRef>
+          <a:effectRef idx="0">
+            <a:schemeClr val="dk1"/>
+          </a:effectRef>
+          <a:fontRef idx="minor">
+            <a:schemeClr val="dk1"/>
+          </a:fontRef>
+        </p:style>
+        <p:txBody>
+          <a:bodyPr rtlCol="0" anchor="ctr"/>
+          <a:lstStyle/>
+          <a:p>
+            <a:r>
+              <a:rPr lang="ja-JP" altLang="en-US" sz="1200" dirty="0" smtClean="0"/>
+              <a:t>マウス使いづらい</a:t>
+            </a:r>
+            <a:endParaRPr kumimoji="1" lang="ja-JP" altLang="en-US" sz="1200" dirty="0"/>
+          </a:p>
+        </p:txBody>
+      </p:sp>
+      <p:sp>
+        <p:nvSpPr>
+          <p:cNvPr id="44" name="テキスト ボックス 43"/>
+          <p:cNvSpPr txBox="1"/>
+          <p:nvPr/>
+        </p:nvSpPr>
+        <p:spPr>
+          <a:xfrm>
+            <a:off x="2628900" y="3695700"/>
+            <a:ext cx="1270000" cy="276999"/>
+          </a:xfrm>
+          <a:prstGeom prst="rect">
+            <a:avLst/>
+          </a:prstGeom>
+          <a:noFill/>
+        </p:spPr>
+        <p:txBody>
+          <a:bodyPr wrap="square" rtlCol="0">
+            <a:spAutoFit/>
+          </a:bodyPr>
+          <a:lstStyle/>
+          <a:p>
+            <a:r>
+              <a:rPr lang="ja-JP" altLang="en-US" sz="1200" dirty="0"/>
+              <a:t>質問文</a:t>
+            </a:r>
+            <a:endParaRPr kumimoji="1" lang="ja-JP" altLang="en-US" sz="1200" dirty="0"/>
+          </a:p>
+        </p:txBody>
+      </p:sp>
+      <p:sp>
+        <p:nvSpPr>
+          <p:cNvPr id="45" name="正方形/長方形 44"/>
+          <p:cNvSpPr/>
+          <p:nvPr/>
+        </p:nvSpPr>
+        <p:spPr>
+          <a:xfrm>
+            <a:off x="3441700" y="2628900"/>
+            <a:ext cx="1079500" cy="228600"/>
+          </a:xfrm>
+          <a:prstGeom prst="rect">
+            <a:avLst/>
+          </a:prstGeom>
+        </p:spPr>
+        <p:style>
+          <a:lnRef idx="2">
+            <a:schemeClr val="dk1"/>
+          </a:lnRef>
+          <a:fillRef idx="1">
+            <a:schemeClr val="lt1"/>
+          </a:fillRef>
+          <a:effectRef idx="0">
+            <a:schemeClr val="dk1"/>
+          </a:effectRef>
+          <a:fontRef idx="minor">
+            <a:schemeClr val="dk1"/>
+          </a:fontRef>
+        </p:style>
+        <p:txBody>
+          <a:bodyPr rtlCol="0" anchor="ctr"/>
+          <a:lstStyle/>
+          <a:p>
+            <a:r>
+              <a:rPr kumimoji="1" lang="ja-JP" altLang="en-US" sz="1200" dirty="0" smtClean="0"/>
+              <a:t>画像</a:t>
+            </a:r>
+            <a:endParaRPr kumimoji="1" lang="ja-JP" altLang="en-US" sz="1200" dirty="0"/>
+          </a:p>
+        </p:txBody>
+      </p:sp>
+      <p:sp>
+        <p:nvSpPr>
+          <p:cNvPr id="46" name="テキスト ボックス 45"/>
+          <p:cNvSpPr txBox="1"/>
+          <p:nvPr/>
+        </p:nvSpPr>
+        <p:spPr>
+          <a:xfrm>
+            <a:off x="2628900" y="2603500"/>
+            <a:ext cx="1270000" cy="276999"/>
+          </a:xfrm>
+          <a:prstGeom prst="rect">
+            <a:avLst/>
+          </a:prstGeom>
+          <a:noFill/>
+        </p:spPr>
+        <p:txBody>
+          <a:bodyPr wrap="square" rtlCol="0">
+            <a:spAutoFit/>
+          </a:bodyPr>
+          <a:lstStyle/>
+          <a:p>
+            <a:r>
+              <a:rPr lang="ja-JP" altLang="en-US" sz="1200" dirty="0"/>
+              <a:t>前説</a:t>
+            </a:r>
+            <a:r>
+              <a:rPr kumimoji="1" lang="ja-JP" altLang="en-US" sz="1200" dirty="0" smtClean="0"/>
+              <a:t>種別</a:t>
+            </a:r>
+            <a:endParaRPr kumimoji="1" lang="ja-JP" altLang="en-US" sz="1200" dirty="0"/>
+          </a:p>
+        </p:txBody>
+      </p:sp>
+      <p:sp>
+        <p:nvSpPr>
+          <p:cNvPr id="47" name="正方形/長方形 46"/>
+          <p:cNvSpPr/>
+          <p:nvPr/>
+        </p:nvSpPr>
+        <p:spPr>
+          <a:xfrm>
+            <a:off x="3441700" y="2959100"/>
+            <a:ext cx="5689600" cy="354746"/>
+          </a:xfrm>
+          <a:prstGeom prst="rect">
+            <a:avLst/>
+          </a:prstGeom>
+        </p:spPr>
+        <p:style>
+          <a:lnRef idx="2">
+            <a:schemeClr val="dk1"/>
+          </a:lnRef>
+          <a:fillRef idx="1">
+            <a:schemeClr val="lt1"/>
+          </a:fillRef>
+          <a:effectRef idx="0">
+            <a:schemeClr val="dk1"/>
+          </a:effectRef>
+          <a:fontRef idx="minor">
+            <a:schemeClr val="dk1"/>
+          </a:fontRef>
+        </p:style>
+        <p:txBody>
+          <a:bodyPr rtlCol="0" anchor="ctr"/>
+          <a:lstStyle/>
+          <a:p>
+            <a:r>
+              <a:rPr lang="ja-JP" altLang="en-US" sz="1200" dirty="0" smtClean="0"/>
+              <a:t>マウス使いづらい</a:t>
+            </a:r>
+            <a:endParaRPr kumimoji="1" lang="ja-JP" altLang="en-US" sz="1200" dirty="0"/>
+          </a:p>
+        </p:txBody>
+      </p:sp>
+      <p:sp>
+        <p:nvSpPr>
+          <p:cNvPr id="48" name="テキスト ボックス 47"/>
+          <p:cNvSpPr txBox="1"/>
+          <p:nvPr/>
+        </p:nvSpPr>
+        <p:spPr>
+          <a:xfrm>
+            <a:off x="2628900" y="2933700"/>
+            <a:ext cx="1270000" cy="276999"/>
+          </a:xfrm>
+          <a:prstGeom prst="rect">
+            <a:avLst/>
+          </a:prstGeom>
+          <a:noFill/>
+        </p:spPr>
+        <p:txBody>
+          <a:bodyPr wrap="square" rtlCol="0">
+            <a:spAutoFit/>
+          </a:bodyPr>
+          <a:lstStyle/>
+          <a:p>
+            <a:r>
+              <a:rPr lang="ja-JP" altLang="en-US" sz="1200" dirty="0"/>
+              <a:t>前説</a:t>
+            </a:r>
+            <a:r>
+              <a:rPr lang="ja-JP" altLang="en-US" sz="1200" dirty="0" smtClean="0"/>
+              <a:t>文</a:t>
+            </a:r>
+            <a:endParaRPr kumimoji="1" lang="ja-JP" altLang="en-US" sz="1200" dirty="0"/>
+          </a:p>
+        </p:txBody>
+      </p:sp>
+      <p:sp>
+        <p:nvSpPr>
+          <p:cNvPr id="49" name="正方形/長方形 48"/>
+          <p:cNvSpPr/>
+          <p:nvPr/>
+        </p:nvSpPr>
+        <p:spPr>
+          <a:xfrm>
+            <a:off x="4524374" y="2628127"/>
+            <a:ext cx="282575" cy="228599"/>
+          </a:xfrm>
+          <a:prstGeom prst="rect">
+            <a:avLst/>
+          </a:prstGeom>
+          <a:solidFill>
+            <a:schemeClr val="bg1">
+              <a:lumMod val="85000"/>
+            </a:schemeClr>
+          </a:solidFill>
+        </p:spPr>
+        <p:style>
+          <a:lnRef idx="2">
+            <a:schemeClr val="dk1"/>
+          </a:lnRef>
+          <a:fillRef idx="1">
+            <a:schemeClr val="lt1"/>
+          </a:fillRef>
+          <a:effectRef idx="0">
+            <a:schemeClr val="dk1"/>
+          </a:effectRef>
+          <a:fontRef idx="minor">
+            <a:schemeClr val="dk1"/>
+          </a:fontRef>
+        </p:style>
+        <p:txBody>
+          <a:bodyPr rtlCol="0" anchor="ctr"/>
+          <a:lstStyle/>
+          <a:p>
+            <a:pPr algn="ctr"/>
+            <a:r>
+              <a:rPr kumimoji="1" lang="ja-JP" altLang="en-US" sz="1200" dirty="0" smtClean="0"/>
+              <a:t>▼</a:t>
+            </a:r>
+            <a:endParaRPr kumimoji="1" lang="ja-JP" altLang="en-US" sz="1200" dirty="0"/>
+          </a:p>
+        </p:txBody>
+      </p:sp>
+      <p:sp>
+        <p:nvSpPr>
+          <p:cNvPr id="50" name="正方形/長方形 49"/>
+          <p:cNvSpPr/>
+          <p:nvPr/>
+        </p:nvSpPr>
+        <p:spPr>
+          <a:xfrm>
+            <a:off x="4521198" y="3390900"/>
+            <a:ext cx="282575" cy="227827"/>
+          </a:xfrm>
+          <a:prstGeom prst="rect">
+            <a:avLst/>
+          </a:prstGeom>
+          <a:solidFill>
+            <a:schemeClr val="bg1">
+              <a:lumMod val="85000"/>
+            </a:schemeClr>
+          </a:solidFill>
+        </p:spPr>
+        <p:style>
+          <a:lnRef idx="2">
+            <a:schemeClr val="dk1"/>
+          </a:lnRef>
+          <a:fillRef idx="1">
+            <a:schemeClr val="lt1"/>
+          </a:fillRef>
+          <a:effectRef idx="0">
+            <a:schemeClr val="dk1"/>
+          </a:effectRef>
+          <a:fontRef idx="minor">
+            <a:schemeClr val="dk1"/>
+          </a:fontRef>
+        </p:style>
+        <p:txBody>
+          <a:bodyPr rtlCol="0" anchor="ctr"/>
+          <a:lstStyle/>
+          <a:p>
+            <a:pPr algn="ctr"/>
+            <a:r>
+              <a:rPr kumimoji="1" lang="ja-JP" altLang="en-US" sz="1200" dirty="0" smtClean="0"/>
+              <a:t>▼</a:t>
+            </a:r>
+            <a:endParaRPr kumimoji="1" lang="ja-JP" altLang="en-US" sz="1200" dirty="0"/>
+          </a:p>
+        </p:txBody>
+      </p:sp>
+      <p:pic>
+        <p:nvPicPr>
+          <p:cNvPr id="1026" name="Picture 2" descr="http://iconmonstr.com/g/gd/makefg.php?i=s2/default/iconmonstr-text-file-4-icon.png&amp;r=0&amp;g=0&amp;b=0"/>
+          <p:cNvPicPr>
+            <a:picLocks noChangeAspect="1" noChangeArrowheads="1"/>
+          </p:cNvPicPr>
+          <p:nvPr/>
+        </p:nvPicPr>
+        <p:blipFill>
+          <a:blip r:embed="rId2" cstate="print">
+            <a:extLst>
+              <a:ext uri="{28A0092B-C50C-407E-A947-70E740481C1C}">
+                <a14:useLocalDpi xmlns:a14="http://schemas.microsoft.com/office/drawing/2010/main" val="0"/>
+              </a:ext>
+            </a:extLst>
+          </a:blip>
+          <a:srcRect/>
+          <a:stretch>
+            <a:fillRect/>
+          </a:stretch>
+        </p:blipFill>
+        <p:spPr bwMode="auto">
+          <a:xfrm>
+            <a:off x="9199562" y="3027402"/>
+            <a:ext cx="255589" cy="255589"/>
+          </a:xfrm>
+          <a:prstGeom prst="rect">
+            <a:avLst/>
+          </a:prstGeom>
+          <a:noFill/>
+          <a:extLst>
+            <a:ext uri="{909E8E84-426E-40DD-AFC4-6F175D3DCCD1}">
+              <a14:hiddenFill xmlns:a14="http://schemas.microsoft.com/office/drawing/2010/main">
+                <a:solidFill>
+                  <a:srgbClr val="FFFFFF"/>
+                </a:solidFill>
+              </a14:hiddenFill>
+            </a:ext>
+          </a:extLst>
+        </p:spPr>
+      </p:pic>
+      <p:pic>
+        <p:nvPicPr>
+          <p:cNvPr id="31" name="Picture 2" descr="http://iconmonstr.com/g/gd/makefg.php?i=s2/default/iconmonstr-text-file-4-icon.png&amp;r=0&amp;g=0&amp;b=0"/>
+          <p:cNvPicPr>
+            <a:picLocks noChangeAspect="1" noChangeArrowheads="1"/>
+          </p:cNvPicPr>
+          <p:nvPr/>
+        </p:nvPicPr>
+        <p:blipFill>
+          <a:blip r:embed="rId2" cstate="print">
+            <a:extLst>
+              <a:ext uri="{28A0092B-C50C-407E-A947-70E740481C1C}">
+                <a14:useLocalDpi xmlns:a14="http://schemas.microsoft.com/office/drawing/2010/main" val="0"/>
+              </a:ext>
+            </a:extLst>
+          </a:blip>
+          <a:srcRect/>
+          <a:stretch>
+            <a:fillRect/>
+          </a:stretch>
+        </p:blipFill>
+        <p:spPr bwMode="auto">
+          <a:xfrm>
+            <a:off x="9197975" y="3792922"/>
+            <a:ext cx="255589" cy="255589"/>
+          </a:xfrm>
+          <a:prstGeom prst="rect">
+            <a:avLst/>
+          </a:prstGeom>
+          <a:noFill/>
+          <a:extLst>
+            <a:ext uri="{909E8E84-426E-40DD-AFC4-6F175D3DCCD1}">
+              <a14:hiddenFill xmlns:a14="http://schemas.microsoft.com/office/drawing/2010/main">
+                <a:solidFill>
+                  <a:srgbClr val="FFFFFF"/>
+                </a:solidFill>
+              </a14:hiddenFill>
+            </a:ext>
+          </a:extLst>
+        </p:spPr>
+      </p:pic>
+      <p:pic>
+        <p:nvPicPr>
+          <p:cNvPr id="32" name="Picture 2" descr="http://iconmonstr.com/g/gd/makefg.php?i=s2/default/iconmonstr-text-file-4-icon.png&amp;r=0&amp;g=0&amp;b=0"/>
+          <p:cNvPicPr>
+            <a:picLocks noChangeAspect="1" noChangeArrowheads="1"/>
+          </p:cNvPicPr>
+          <p:nvPr/>
+        </p:nvPicPr>
+        <p:blipFill>
+          <a:blip r:embed="rId2" cstate="print">
+            <a:extLst>
+              <a:ext uri="{28A0092B-C50C-407E-A947-70E740481C1C}">
+                <a14:useLocalDpi xmlns:a14="http://schemas.microsoft.com/office/drawing/2010/main" val="0"/>
+              </a:ext>
+            </a:extLst>
+          </a:blip>
+          <a:srcRect/>
+          <a:stretch>
+            <a:fillRect/>
+          </a:stretch>
+        </p:blipFill>
+        <p:spPr bwMode="auto">
+          <a:xfrm>
+            <a:off x="9197975" y="4103706"/>
+            <a:ext cx="255589" cy="255589"/>
+          </a:xfrm>
+          <a:prstGeom prst="rect">
+            <a:avLst/>
+          </a:prstGeom>
+          <a:noFill/>
+          <a:extLst>
+            <a:ext uri="{909E8E84-426E-40DD-AFC4-6F175D3DCCD1}">
+              <a14:hiddenFill xmlns:a14="http://schemas.microsoft.com/office/drawing/2010/main">
+                <a:solidFill>
+                  <a:srgbClr val="FFFFFF"/>
+                </a:solidFill>
+              </a14:hiddenFill>
+            </a:ext>
+          </a:extLst>
+        </p:spPr>
+      </p:pic>
+      <p:pic>
+        <p:nvPicPr>
+          <p:cNvPr id="33" name="Picture 2" descr="http://iconmonstr.com/g/gd/makefg.php?i=s2/default/iconmonstr-text-file-4-icon.png&amp;r=0&amp;g=0&amp;b=0"/>
+          <p:cNvPicPr>
+            <a:picLocks noChangeAspect="1" noChangeArrowheads="1"/>
+          </p:cNvPicPr>
+          <p:nvPr/>
+        </p:nvPicPr>
+        <p:blipFill>
+          <a:blip r:embed="rId2" cstate="print">
+            <a:extLst>
+              <a:ext uri="{28A0092B-C50C-407E-A947-70E740481C1C}">
+                <a14:useLocalDpi xmlns:a14="http://schemas.microsoft.com/office/drawing/2010/main" val="0"/>
+              </a:ext>
+            </a:extLst>
+          </a:blip>
+          <a:srcRect/>
+          <a:stretch>
+            <a:fillRect/>
+          </a:stretch>
+        </p:blipFill>
+        <p:spPr bwMode="auto">
+          <a:xfrm>
+            <a:off x="9197975" y="4414490"/>
+            <a:ext cx="255589" cy="255589"/>
+          </a:xfrm>
+          <a:prstGeom prst="rect">
+            <a:avLst/>
+          </a:prstGeom>
+          <a:noFill/>
+          <a:extLst>
+            <a:ext uri="{909E8E84-426E-40DD-AFC4-6F175D3DCCD1}">
+              <a14:hiddenFill xmlns:a14="http://schemas.microsoft.com/office/drawing/2010/main">
+                <a:solidFill>
+                  <a:srgbClr val="FFFFFF"/>
+                </a:solidFill>
+              </a14:hiddenFill>
+            </a:ext>
+          </a:extLst>
+        </p:spPr>
+      </p:pic>
+      <p:pic>
+        <p:nvPicPr>
+          <p:cNvPr id="34" name="Picture 2" descr="http://iconmonstr.com/g/gd/makefg.php?i=s2/default/iconmonstr-text-file-4-icon.png&amp;r=0&amp;g=0&amp;b=0"/>
+          <p:cNvPicPr>
+            <a:picLocks noChangeAspect="1" noChangeArrowheads="1"/>
+          </p:cNvPicPr>
+          <p:nvPr/>
+        </p:nvPicPr>
+        <p:blipFill>
+          <a:blip r:embed="rId2" cstate="print">
+            <a:extLst>
+              <a:ext uri="{28A0092B-C50C-407E-A947-70E740481C1C}">
+                <a14:useLocalDpi xmlns:a14="http://schemas.microsoft.com/office/drawing/2010/main" val="0"/>
+              </a:ext>
+            </a:extLst>
+          </a:blip>
+          <a:srcRect/>
+          <a:stretch>
+            <a:fillRect/>
+          </a:stretch>
+        </p:blipFill>
+        <p:spPr bwMode="auto">
+          <a:xfrm>
+            <a:off x="9197975" y="4712574"/>
+            <a:ext cx="255589" cy="255589"/>
+          </a:xfrm>
+          <a:prstGeom prst="rect">
+            <a:avLst/>
+          </a:prstGeom>
+          <a:noFill/>
+          <a:extLst>
+            <a:ext uri="{909E8E84-426E-40DD-AFC4-6F175D3DCCD1}">
+              <a14:hiddenFill xmlns:a14="http://schemas.microsoft.com/office/drawing/2010/main">
+                <a:solidFill>
+                  <a:srgbClr val="FFFFFF"/>
+                </a:solidFill>
+              </a14:hiddenFill>
+            </a:ext>
+          </a:extLst>
+        </p:spPr>
+      </p:pic>
+      <p:pic>
+        <p:nvPicPr>
+          <p:cNvPr id="35" name="Picture 2" descr="http://iconmonstr.com/g/gd/makefg.php?i=s2/default/iconmonstr-text-file-4-icon.png&amp;r=0&amp;g=0&amp;b=0"/>
+          <p:cNvPicPr>
+            <a:picLocks noChangeAspect="1" noChangeArrowheads="1"/>
+          </p:cNvPicPr>
+          <p:nvPr/>
+        </p:nvPicPr>
+        <p:blipFill>
+          <a:blip r:embed="rId2" cstate="print">
+            <a:extLst>
+              <a:ext uri="{28A0092B-C50C-407E-A947-70E740481C1C}">
+                <a14:useLocalDpi xmlns:a14="http://schemas.microsoft.com/office/drawing/2010/main" val="0"/>
+              </a:ext>
+            </a:extLst>
+          </a:blip>
+          <a:srcRect/>
+          <a:stretch>
+            <a:fillRect/>
+          </a:stretch>
+        </p:blipFill>
+        <p:spPr bwMode="auto">
+          <a:xfrm>
+            <a:off x="9197975" y="5010658"/>
+            <a:ext cx="255589" cy="255589"/>
+          </a:xfrm>
+          <a:prstGeom prst="rect">
+            <a:avLst/>
+          </a:prstGeom>
+          <a:noFill/>
+          <a:extLst>
+            <a:ext uri="{909E8E84-426E-40DD-AFC4-6F175D3DCCD1}">
+              <a14:hiddenFill xmlns:a14="http://schemas.microsoft.com/office/drawing/2010/main">
+                <a:solidFill>
+                  <a:srgbClr val="FFFFFF"/>
+                </a:solidFill>
+              </a14:hiddenFill>
+            </a:ext>
+          </a:extLst>
+        </p:spPr>
+      </p:pic>
+    </p:spTree>
+    <p:extLst>
+      <p:ext uri="{BB962C8B-B14F-4D97-AF65-F5344CB8AC3E}">
+        <p14:creationId xmlns:p14="http://schemas.microsoft.com/office/powerpoint/2010/main" val="758145360"/>
+      </p:ext>
+    </p:extLst>
+  </p:cSld>
+  <p:clrMapOvr>
+    <a:masterClrMapping/>
+  </p:clrMapOvr>
+  <p:timing>
+    <p:tnLst>
+      <p:par>
+        <p:cTn id="1" dur="indefinite" restart="never" nodeType="tmRoot"/>
+      </p:par>
+    </p:tnLst>
+  </p:timing>
 </p:sld>
 </file>
 
